--- a/docs/pubs_and_press/cafcw_2023/pieval_cafcw_poster_2023-11-12.pptx
+++ b/docs/pubs_and_press/cafcw_2023/pieval_cafcw_poster_2023-11-12.pptx
@@ -3836,55 +3836,6 @@
       </p:sp>
       <p:sp>
         <p:nvSpPr>
-          <p:cNvPr id="2" name="Rectangle 1">
-            <a:extLst>
-              <a:ext uri="{FF2B5EF4-FFF2-40B4-BE49-F238E27FC236}">
-                <a16:creationId xmlns:a16="http://schemas.microsoft.com/office/drawing/2014/main" id="{C1EA55CF-D5EB-6984-F12B-5BA5A0CC83E0}"/>
-              </a:ext>
-            </a:extLst>
-          </p:cNvPr>
-          <p:cNvSpPr/>
-          <p:nvPr/>
-        </p:nvSpPr>
-        <p:spPr>
-          <a:xfrm>
-            <a:off x="21947753" y="3782494"/>
-            <a:ext cx="4701605" cy="3878487"/>
-          </a:xfrm>
-          <a:prstGeom prst="rect">
-            <a:avLst/>
-          </a:prstGeom>
-        </p:spPr>
-        <p:style>
-          <a:lnRef idx="2">
-            <a:schemeClr val="accent1">
-              <a:shade val="15000"/>
-            </a:schemeClr>
-          </a:lnRef>
-          <a:fillRef idx="1">
-            <a:schemeClr val="accent1"/>
-          </a:fillRef>
-          <a:effectRef idx="0">
-            <a:schemeClr val="accent1"/>
-          </a:effectRef>
-          <a:fontRef idx="minor">
-            <a:schemeClr val="lt1"/>
-          </a:fontRef>
-        </p:style>
-        <p:txBody>
-          <a:bodyPr rtlCol="0" anchor="ctr"/>
-          <a:lstStyle/>
-          <a:p>
-            <a:pPr algn="ctr"/>
-            <a:r>
-              <a:rPr lang="en-US" sz="4000" dirty="0"/>
-              <a:t>QR Code placeholder</a:t>
-            </a:r>
-          </a:p>
-        </p:txBody>
-      </p:sp>
-      <p:sp>
-        <p:nvSpPr>
           <p:cNvPr id="3" name="TextBox 2">
             <a:extLst>
               <a:ext uri="{FF2B5EF4-FFF2-40B4-BE49-F238E27FC236}">
@@ -3897,7 +3848,7 @@
         </p:nvSpPr>
         <p:spPr>
           <a:xfrm>
-            <a:off x="26719120" y="5013710"/>
+            <a:off x="26408721" y="5812168"/>
             <a:ext cx="6449054" cy="1569660"/>
           </a:xfrm>
           <a:prstGeom prst="rect">
@@ -5715,6 +5666,36 @@
           </a:p>
         </p:txBody>
       </p:sp>
+      <p:pic>
+        <p:nvPicPr>
+          <p:cNvPr id="20" name="Picture 19" descr="A qr code on a black background&#10;&#10;Description automatically generated">
+            <a:extLst>
+              <a:ext uri="{FF2B5EF4-FFF2-40B4-BE49-F238E27FC236}">
+                <a16:creationId xmlns:a16="http://schemas.microsoft.com/office/drawing/2014/main" id="{A98D3460-6953-8A14-2211-99C4CF8A1A88}"/>
+              </a:ext>
+            </a:extLst>
+          </p:cNvPr>
+          <p:cNvPicPr>
+            <a:picLocks noChangeAspect="1"/>
+          </p:cNvPicPr>
+          <p:nvPr/>
+        </p:nvPicPr>
+        <p:blipFill>
+          <a:blip r:embed="rId8"/>
+          <a:stretch>
+            <a:fillRect/>
+          </a:stretch>
+        </p:blipFill>
+        <p:spPr>
+          <a:xfrm>
+            <a:off x="22057774" y="3327957"/>
+            <a:ext cx="3810000" cy="5473700"/>
+          </a:xfrm>
+          <a:prstGeom prst="rect">
+            <a:avLst/>
+          </a:prstGeom>
+        </p:spPr>
+      </p:pic>
     </p:spTree>
     <p:extLst>
       <p:ext uri="{BB962C8B-B14F-4D97-AF65-F5344CB8AC3E}">
